--- a/auca/sem-1/intro-to-bible-study/1 intro to Bible study Notes.pptx
+++ b/auca/sem-1/intro-to-bible-study/1 intro to Bible study Notes.pptx
@@ -5141,9 +5141,7 @@
             <p:ph type="title"/>
           </p:nvPr>
         </p:nvSpPr>
-        <p:spPr>
-          <a:ln/>
-        </p:spPr>
+        <p:spPr/>
         <p:txBody>
           <a:bodyPr vert="horz" wrap="square" lIns="91440" tIns="45720" rIns="91440" bIns="45720" anchor="ctr" anchorCtr="0"/>
           <a:p>
@@ -5168,9 +5166,7 @@
             <p:ph idx="1"/>
           </p:nvPr>
         </p:nvSpPr>
-        <p:spPr>
-          <a:ln/>
-        </p:spPr>
+        <p:spPr/>
         <p:txBody>
           <a:bodyPr vert="horz" wrap="square" lIns="91440" tIns="45720" rIns="91440" bIns="45720" anchor="t" anchorCtr="0"/>
           <a:p>
@@ -5315,9 +5311,7 @@
             <p:ph idx="1"/>
           </p:nvPr>
         </p:nvSpPr>
-        <p:spPr>
-          <a:ln/>
-        </p:spPr>
+        <p:spPr/>
         <p:txBody>
           <a:bodyPr vert="horz" wrap="square" lIns="91440" tIns="45720" rIns="91440" bIns="45720" anchor="t" anchorCtr="0"/>
           <a:p>
@@ -5365,7 +5359,6 @@
             <a:off x="457200" y="274638"/>
             <a:ext cx="8229600" cy="777875"/>
           </a:xfrm>
-          <a:ln/>
         </p:spPr>
         <p:txBody>
           <a:bodyPr vert="horz" wrap="square" lIns="91440" tIns="45720" rIns="91440" bIns="45720" anchor="ctr" anchorCtr="0"/>
@@ -5388,9 +5381,7 @@
             <p:ph idx="1"/>
           </p:nvPr>
         </p:nvSpPr>
-        <p:spPr>
-          <a:ln/>
-        </p:spPr>
+        <p:spPr/>
         <p:txBody>
           <a:bodyPr vert="horz" wrap="square" lIns="91440" tIns="45720" rIns="91440" bIns="45720" anchor="t" anchorCtr="0"/>
           <a:p>
@@ -5459,9 +5450,7 @@
             <p:ph type="title"/>
           </p:nvPr>
         </p:nvSpPr>
-        <p:spPr>
-          <a:ln/>
-        </p:spPr>
+        <p:spPr/>
         <p:txBody>
           <a:bodyPr vert="horz" wrap="square" lIns="91440" tIns="45720" rIns="91440" bIns="45720" anchor="ctr" anchorCtr="0"/>
           <a:p>
@@ -5483,9 +5472,7 @@
             <p:ph idx="1"/>
           </p:nvPr>
         </p:nvSpPr>
-        <p:spPr>
-          <a:ln/>
-        </p:spPr>
+        <p:spPr/>
         <p:txBody>
           <a:bodyPr vert="horz" wrap="square" lIns="91440" tIns="45720" rIns="91440" bIns="45720" anchor="t" anchorCtr="0"/>
           <a:p>
@@ -5551,7 +5538,6 @@
             <a:off x="457200" y="274638"/>
             <a:ext cx="8229600" cy="777875"/>
           </a:xfrm>
-          <a:ln/>
         </p:spPr>
         <p:txBody>
           <a:bodyPr vert="horz" wrap="square" lIns="91440" tIns="45720" rIns="91440" bIns="45720" anchor="ctr" anchorCtr="0"/>
@@ -5574,9 +5560,7 @@
             <p:ph idx="1"/>
           </p:nvPr>
         </p:nvSpPr>
-        <p:spPr>
-          <a:ln/>
-        </p:spPr>
+        <p:spPr/>
         <p:txBody>
           <a:bodyPr vert="horz" wrap="square" lIns="91440" tIns="45720" rIns="91440" bIns="45720" anchor="t" anchorCtr="0"/>
           <a:p>
@@ -5635,7 +5619,6 @@
             <a:off x="457200" y="274638"/>
             <a:ext cx="8229600" cy="633412"/>
           </a:xfrm>
-          <a:ln/>
         </p:spPr>
         <p:txBody>
           <a:bodyPr vert="horz" wrap="square" lIns="91440" tIns="45720" rIns="91440" bIns="45720" anchor="ctr" anchorCtr="0"/>
@@ -5663,7 +5646,6 @@
             <a:off x="457200" y="1125538"/>
             <a:ext cx="8229600" cy="5000625"/>
           </a:xfrm>
-          <a:ln/>
         </p:spPr>
         <p:txBody>
           <a:bodyPr vert="horz" wrap="square" lIns="91440" tIns="45720" rIns="91440" bIns="45720" anchor="t" anchorCtr="0"/>
@@ -5726,7 +5708,6 @@
             <a:off x="457200" y="274638"/>
             <a:ext cx="8229600" cy="850900"/>
           </a:xfrm>
-          <a:ln/>
         </p:spPr>
         <p:txBody>
           <a:bodyPr vert="horz" wrap="square" lIns="91440" tIns="45720" rIns="91440" bIns="45720" anchor="ctr" anchorCtr="0"/>
@@ -5749,9 +5730,7 @@
             <p:ph idx="1"/>
           </p:nvPr>
         </p:nvSpPr>
-        <p:spPr>
-          <a:ln/>
-        </p:spPr>
+        <p:spPr/>
         <p:txBody>
           <a:bodyPr vert="horz" wrap="square" lIns="91440" tIns="45720" rIns="91440" bIns="45720" anchor="t" anchorCtr="0"/>
           <a:p>
@@ -5829,7 +5808,6 @@
             <a:off x="457200" y="274638"/>
             <a:ext cx="8229600" cy="561975"/>
           </a:xfrm>
-          <a:ln/>
         </p:spPr>
         <p:txBody>
           <a:bodyPr vert="horz" wrap="square" lIns="91440" tIns="45720" rIns="91440" bIns="45720" anchor="ctr" anchorCtr="0"/>
@@ -5852,9 +5830,7 @@
             <p:ph idx="1"/>
           </p:nvPr>
         </p:nvSpPr>
-        <p:spPr>
-          <a:ln/>
-        </p:spPr>
+        <p:spPr/>
         <p:txBody>
           <a:bodyPr vert="horz" wrap="square" lIns="91440" tIns="45720" rIns="91440" bIns="45720" anchor="t" anchorCtr="0"/>
           <a:p>
@@ -5903,7 +5879,6 @@
             <a:off x="457200" y="274638"/>
             <a:ext cx="8229600" cy="633412"/>
           </a:xfrm>
-          <a:ln/>
         </p:spPr>
         <p:txBody>
           <a:bodyPr vert="horz" wrap="square" lIns="91440" tIns="45720" rIns="91440" bIns="45720" anchor="ctr" anchorCtr="0"/>
@@ -5931,7 +5906,6 @@
             <a:off x="457200" y="1341438"/>
             <a:ext cx="8229600" cy="4784725"/>
           </a:xfrm>
-          <a:ln/>
         </p:spPr>
         <p:txBody>
           <a:bodyPr vert="horz" wrap="square" lIns="91440" tIns="45720" rIns="91440" bIns="45720" anchor="t" anchorCtr="0"/>
@@ -5989,7 +5963,6 @@
             <a:off x="457200" y="274638"/>
             <a:ext cx="8229600" cy="633412"/>
           </a:xfrm>
-          <a:ln/>
         </p:spPr>
         <p:txBody>
           <a:bodyPr vert="horz" wrap="square" lIns="91440" tIns="45720" rIns="91440" bIns="45720" anchor="ctr" anchorCtr="0"/>
@@ -6012,9 +5985,7 @@
             <p:ph idx="1"/>
           </p:nvPr>
         </p:nvSpPr>
-        <p:spPr>
-          <a:ln/>
-        </p:spPr>
+        <p:spPr/>
         <p:txBody>
           <a:bodyPr vert="horz" wrap="square" lIns="91440" tIns="45720" rIns="91440" bIns="45720" anchor="t" anchorCtr="0"/>
           <a:p>
@@ -6069,7 +6040,6 @@
             <a:off x="468313" y="476250"/>
             <a:ext cx="8229600" cy="1296988"/>
           </a:xfrm>
-          <a:ln/>
         </p:spPr>
         <p:txBody>
           <a:bodyPr vert="horz" wrap="square" lIns="91440" tIns="45720" rIns="91440" bIns="45720" anchor="ctr" anchorCtr="0"/>
@@ -6107,7 +6077,6 @@
             <a:off x="457200" y="1196975"/>
             <a:ext cx="8229600" cy="5327650"/>
           </a:xfrm>
-          <a:ln/>
         </p:spPr>
         <p:txBody>
           <a:bodyPr vert="horz" wrap="square" lIns="91440" tIns="45720" rIns="91440" bIns="45720" anchor="t" anchorCtr="0"/>
@@ -6198,7 +6167,6 @@
             <a:off x="457200" y="274638"/>
             <a:ext cx="8229600" cy="706437"/>
           </a:xfrm>
-          <a:ln/>
         </p:spPr>
         <p:txBody>
           <a:bodyPr vert="horz" wrap="square" lIns="91440" tIns="45720" rIns="91440" bIns="45720" anchor="ctr" anchorCtr="0"/>
@@ -6229,7 +6197,6 @@
             <a:off x="457200" y="1268413"/>
             <a:ext cx="8229600" cy="4857750"/>
           </a:xfrm>
-          <a:ln/>
         </p:spPr>
         <p:txBody>
           <a:bodyPr vert="horz" wrap="square" lIns="91440" tIns="45720" rIns="91440" bIns="45720" anchor="t" anchorCtr="0"/>
@@ -6345,9 +6312,7 @@
             <p:ph idx="1"/>
           </p:nvPr>
         </p:nvSpPr>
-        <p:spPr>
-          <a:ln/>
-        </p:spPr>
+        <p:spPr/>
         <p:txBody>
           <a:bodyPr vert="horz" wrap="square" lIns="91440" tIns="45720" rIns="91440" bIns="45720" anchor="t" anchorCtr="0"/>
           <a:p>
@@ -6395,7 +6360,6 @@
             <a:off x="457200" y="274638"/>
             <a:ext cx="8229600" cy="1282700"/>
           </a:xfrm>
-          <a:ln/>
         </p:spPr>
         <p:txBody>
           <a:bodyPr vert="horz" wrap="square" lIns="91440" tIns="45720" rIns="91440" bIns="45720" anchor="ctr" anchorCtr="0"/>
@@ -6426,7 +6390,6 @@
             <a:off x="457200" y="1052513"/>
             <a:ext cx="8229600" cy="5472112"/>
           </a:xfrm>
-          <a:ln/>
         </p:spPr>
         <p:txBody>
           <a:bodyPr vert="horz" wrap="square" lIns="91440" tIns="45720" rIns="91440" bIns="45720" anchor="t" anchorCtr="0"/>
@@ -6533,9 +6496,7 @@
             <p:ph type="title"/>
           </p:nvPr>
         </p:nvSpPr>
-        <p:spPr>
-          <a:ln/>
-        </p:spPr>
+        <p:spPr/>
         <p:txBody>
           <a:bodyPr vert="horz" wrap="square" lIns="91440" tIns="45720" rIns="91440" bIns="45720" anchor="ctr" anchorCtr="0"/>
           <a:p>
@@ -6553,9 +6514,7 @@
             <p:ph idx="1"/>
           </p:nvPr>
         </p:nvSpPr>
-        <p:spPr>
-          <a:ln/>
-        </p:spPr>
+        <p:spPr/>
         <p:txBody>
           <a:bodyPr vert="horz" wrap="square" lIns="91440" tIns="45720" rIns="91440" bIns="45720" anchor="t" anchorCtr="0"/>
           <a:p>
@@ -6647,9 +6606,7 @@
             <p:ph type="title"/>
           </p:nvPr>
         </p:nvSpPr>
-        <p:spPr>
-          <a:ln/>
-        </p:spPr>
+        <p:spPr/>
         <p:txBody>
           <a:bodyPr vert="horz" wrap="square" lIns="91440" tIns="45720" rIns="91440" bIns="45720" anchor="ctr" anchorCtr="0"/>
           <a:p>
@@ -6667,9 +6624,7 @@
             <p:ph idx="1"/>
           </p:nvPr>
         </p:nvSpPr>
-        <p:spPr>
-          <a:ln/>
-        </p:spPr>
+        <p:spPr/>
         <p:txBody>
           <a:bodyPr vert="horz" wrap="square" lIns="91440" tIns="45720" rIns="91440" bIns="45720" anchor="t" anchorCtr="0"/>
           <a:p>
@@ -6729,9 +6684,7 @@
             <p:ph type="title"/>
           </p:nvPr>
         </p:nvSpPr>
-        <p:spPr>
-          <a:ln/>
-        </p:spPr>
+        <p:spPr/>
         <p:txBody>
           <a:bodyPr vert="horz" wrap="square" lIns="91440" tIns="45720" rIns="91440" bIns="45720" anchor="ctr" anchorCtr="0"/>
           <a:p>
@@ -6754,7 +6707,6 @@
             <a:off x="457200" y="1412875"/>
             <a:ext cx="8229600" cy="5040313"/>
           </a:xfrm>
-          <a:ln/>
         </p:spPr>
         <p:txBody>
           <a:bodyPr vert="horz" wrap="square" lIns="91440" tIns="45720" rIns="91440" bIns="45720" anchor="t" anchorCtr="0"/>
@@ -6857,9 +6809,7 @@
             <p:ph type="title"/>
           </p:nvPr>
         </p:nvSpPr>
-        <p:spPr>
-          <a:ln/>
-        </p:spPr>
+        <p:spPr/>
         <p:txBody>
           <a:bodyPr vert="horz" wrap="square" lIns="91440" tIns="45720" rIns="91440" bIns="45720" anchor="ctr" anchorCtr="0"/>
           <a:p>
@@ -6877,9 +6827,7 @@
             <p:ph idx="1"/>
           </p:nvPr>
         </p:nvSpPr>
-        <p:spPr>
-          <a:ln/>
-        </p:spPr>
+        <p:spPr/>
         <p:txBody>
           <a:bodyPr vert="horz" wrap="square" lIns="91440" tIns="45720" rIns="91440" bIns="45720" anchor="t" anchorCtr="0"/>
           <a:p>
@@ -6929,9 +6877,7 @@
             <p:ph type="title"/>
           </p:nvPr>
         </p:nvSpPr>
-        <p:spPr>
-          <a:ln/>
-        </p:spPr>
+        <p:spPr/>
         <p:txBody>
           <a:bodyPr vert="horz" wrap="square" lIns="91440" tIns="45720" rIns="91440" bIns="45720" anchor="ctr" anchorCtr="0"/>
           <a:p>
@@ -6949,9 +6895,7 @@
             <p:ph idx="1"/>
           </p:nvPr>
         </p:nvSpPr>
-        <p:spPr>
-          <a:ln/>
-        </p:spPr>
+        <p:spPr/>
         <p:txBody>
           <a:bodyPr vert="horz" wrap="square" lIns="91440" tIns="45720" rIns="91440" bIns="45720" anchor="t" anchorCtr="0"/>
           <a:p>
@@ -7008,26 +6952,6 @@
       <p:grpSpPr/>
       <p:sp>
         <p:nvSpPr>
-          <p:cNvPr id="120834" name="Title 1"/>
-          <p:cNvSpPr>
-            <a:spLocks noGrp="1"/>
-          </p:cNvSpPr>
-          <p:nvPr>
-            <p:ph type="title"/>
-          </p:nvPr>
-        </p:nvSpPr>
-        <p:spPr>
-          <a:ln/>
-        </p:spPr>
-        <p:txBody>
-          <a:bodyPr vert="horz" wrap="square" lIns="91440" tIns="45720" rIns="91440" bIns="45720" anchor="ctr" anchorCtr="0"/>
-          <a:p>
-            <a:endParaRPr lang="en-GB" altLang="en-US" dirty="0"/>
-          </a:p>
-        </p:txBody>
-      </p:sp>
-      <p:sp>
-        <p:nvSpPr>
           <p:cNvPr id="120835" name="Content Placeholder 2"/>
           <p:cNvSpPr>
             <a:spLocks noGrp="1"/>
@@ -7036,9 +6960,7 @@
             <p:ph idx="1"/>
           </p:nvPr>
         </p:nvSpPr>
-        <p:spPr>
-          <a:ln/>
-        </p:spPr>
+        <p:spPr/>
         <p:txBody>
           <a:bodyPr vert="horz" wrap="square" lIns="91440" tIns="45720" rIns="91440" bIns="45720" anchor="t" anchorCtr="0"/>
           <a:p>
@@ -7088,9 +7010,7 @@
             <p:ph type="title"/>
           </p:nvPr>
         </p:nvSpPr>
-        <p:spPr>
-          <a:ln/>
-        </p:spPr>
+        <p:spPr/>
         <p:txBody>
           <a:bodyPr vert="horz" wrap="square" lIns="91440" tIns="45720" rIns="91440" bIns="45720" anchor="ctr" anchorCtr="0"/>
           <a:p>
@@ -7112,9 +7032,7 @@
             <p:ph idx="1"/>
           </p:nvPr>
         </p:nvSpPr>
-        <p:spPr>
-          <a:ln/>
-        </p:spPr>
+        <p:spPr/>
         <p:txBody>
           <a:bodyPr vert="horz" wrap="square" lIns="91440" tIns="45720" rIns="91440" bIns="45720" anchor="t" anchorCtr="0"/>
           <a:p>
@@ -7177,26 +7095,6 @@
       <p:grpSpPr/>
       <p:sp>
         <p:nvSpPr>
-          <p:cNvPr id="122882" name="Title 1"/>
-          <p:cNvSpPr>
-            <a:spLocks noGrp="1"/>
-          </p:cNvSpPr>
-          <p:nvPr>
-            <p:ph type="title"/>
-          </p:nvPr>
-        </p:nvSpPr>
-        <p:spPr>
-          <a:ln/>
-        </p:spPr>
-        <p:txBody>
-          <a:bodyPr vert="horz" wrap="square" lIns="91440" tIns="45720" rIns="91440" bIns="45720" anchor="ctr" anchorCtr="0"/>
-          <a:p>
-            <a:endParaRPr lang="en-US" altLang="en-US" dirty="0"/>
-          </a:p>
-        </p:txBody>
-      </p:sp>
-      <p:sp>
-        <p:nvSpPr>
           <p:cNvPr id="3" name="Content Placeholder 2"/>
           <p:cNvSpPr>
             <a:spLocks noGrp="1"/>
@@ -7533,9 +7431,7 @@
             <p:ph type="title"/>
           </p:nvPr>
         </p:nvSpPr>
-        <p:spPr>
-          <a:ln/>
-        </p:spPr>
+        <p:spPr/>
         <p:txBody>
           <a:bodyPr vert="horz" wrap="square" lIns="91440" tIns="45720" rIns="91440" bIns="45720" anchor="ctr" anchorCtr="0"/>
           <a:p>
@@ -7553,9 +7449,7 @@
             <p:ph idx="1"/>
           </p:nvPr>
         </p:nvSpPr>
-        <p:spPr>
-          <a:ln/>
-        </p:spPr>
+        <p:spPr/>
         <p:txBody>
           <a:bodyPr vert="horz" wrap="square" lIns="91440" tIns="45720" rIns="91440" bIns="45720" anchor="t" anchorCtr="0"/>
           <a:p>
@@ -7675,9 +7569,7 @@
             <p:ph idx="1"/>
           </p:nvPr>
         </p:nvSpPr>
-        <p:spPr>
-          <a:ln/>
-        </p:spPr>
+        <p:spPr/>
         <p:txBody>
           <a:bodyPr vert="horz" wrap="square" lIns="91440" tIns="45720" rIns="91440" bIns="45720" anchor="t" anchorCtr="0"/>
           <a:p>
@@ -7821,7 +7713,6 @@
             <a:off x="457200" y="1285875"/>
             <a:ext cx="8229600" cy="4840288"/>
           </a:xfrm>
-          <a:ln/>
         </p:spPr>
         <p:txBody>
           <a:bodyPr vert="horz" wrap="square" lIns="91440" tIns="45720" rIns="91440" bIns="45720" anchor="t" anchorCtr="0"/>
@@ -8055,7 +7946,6 @@
             <a:off x="457200" y="1052513"/>
             <a:ext cx="8229600" cy="5073650"/>
           </a:xfrm>
-          <a:ln/>
         </p:spPr>
         <p:txBody>
           <a:bodyPr vert="horz" wrap="square" lIns="91440" tIns="45720" rIns="91440" bIns="45720" anchor="t" anchorCtr="0"/>
@@ -8122,7 +8012,6 @@
             <a:off x="457200" y="0"/>
             <a:ext cx="8229600" cy="765175"/>
           </a:xfrm>
-          <a:ln/>
         </p:spPr>
         <p:txBody>
           <a:bodyPr vert="horz" wrap="square" lIns="91440" tIns="45720" rIns="91440" bIns="45720" anchor="ctr" anchorCtr="0"/>
@@ -8427,7 +8316,6 @@
             <a:off x="457200" y="188913"/>
             <a:ext cx="8229600" cy="576262"/>
           </a:xfrm>
-          <a:ln/>
         </p:spPr>
         <p:txBody>
           <a:bodyPr vert="horz" wrap="square" lIns="91440" tIns="45720" rIns="91440" bIns="45720" anchor="ctr" anchorCtr="0"/>
@@ -8710,7 +8598,6 @@
             <a:off x="457200" y="274638"/>
             <a:ext cx="8229600" cy="346075"/>
           </a:xfrm>
-          <a:ln/>
         </p:spPr>
         <p:txBody>
           <a:bodyPr vert="horz" wrap="square" lIns="91440" tIns="45720" rIns="91440" bIns="45720" anchor="ctr" anchorCtr="0"/>
@@ -9025,7 +8912,6 @@
             <a:off x="457200" y="274638"/>
             <a:ext cx="8229600" cy="274637"/>
           </a:xfrm>
-          <a:ln/>
         </p:spPr>
         <p:txBody>
           <a:bodyPr vert="horz" wrap="square" lIns="91440" tIns="45720" rIns="91440" bIns="45720" anchor="ctr" anchorCtr="0"/>
@@ -9054,7 +8940,6 @@
             <a:off x="457200" y="836613"/>
             <a:ext cx="8229600" cy="5289550"/>
           </a:xfrm>
-          <a:ln/>
         </p:spPr>
         <p:txBody>
           <a:bodyPr vert="horz" wrap="square" lIns="91440" tIns="45720" rIns="91440" bIns="45720" anchor="t" anchorCtr="0"/>
@@ -9131,7 +9016,6 @@
             <a:off x="457200" y="274638"/>
             <a:ext cx="8229600" cy="850900"/>
           </a:xfrm>
-          <a:ln/>
         </p:spPr>
         <p:txBody>
           <a:bodyPr vert="horz" wrap="square" lIns="91440" tIns="45720" rIns="91440" bIns="45720" anchor="ctr" anchorCtr="0"/>
@@ -9155,9 +9039,7 @@
             <p:ph idx="1"/>
           </p:nvPr>
         </p:nvSpPr>
-        <p:spPr>
-          <a:ln/>
-        </p:spPr>
+        <p:spPr/>
         <p:txBody>
           <a:bodyPr vert="horz" wrap="square" lIns="91440" tIns="45720" rIns="91440" bIns="45720" anchor="t" anchorCtr="0"/>
           <a:p>
@@ -9207,7 +9089,6 @@
             <a:off x="457200" y="274638"/>
             <a:ext cx="8229600" cy="1011237"/>
           </a:xfrm>
-          <a:ln/>
         </p:spPr>
         <p:txBody>
           <a:bodyPr vert="horz" wrap="square" lIns="91440" tIns="45720" rIns="91440" bIns="45720" anchor="ctr" anchorCtr="0"/>
@@ -9230,9 +9111,7 @@
             <p:ph idx="1"/>
           </p:nvPr>
         </p:nvSpPr>
-        <p:spPr>
-          <a:ln/>
-        </p:spPr>
+        <p:spPr/>
         <p:txBody>
           <a:bodyPr vert="horz" wrap="square" lIns="91440" tIns="45720" rIns="91440" bIns="45720" anchor="t" anchorCtr="0"/>
           <a:p>
@@ -9334,7 +9213,6 @@
             <a:off x="457200" y="274638"/>
             <a:ext cx="8229600" cy="490537"/>
           </a:xfrm>
-          <a:ln/>
         </p:spPr>
         <p:txBody>
           <a:bodyPr vert="horz" wrap="square" lIns="91440" tIns="45720" rIns="91440" bIns="45720" anchor="ctr" anchorCtr="0"/>
@@ -9363,7 +9241,6 @@
             <a:off x="457200" y="836613"/>
             <a:ext cx="8229600" cy="5289550"/>
           </a:xfrm>
-          <a:ln/>
         </p:spPr>
         <p:txBody>
           <a:bodyPr vert="horz" wrap="square" lIns="91440" tIns="45720" rIns="91440" bIns="45720" anchor="t" anchorCtr="0"/>
@@ -9434,7 +9311,6 @@
             <a:off x="457200" y="274638"/>
             <a:ext cx="8229600" cy="561975"/>
           </a:xfrm>
-          <a:ln/>
         </p:spPr>
         <p:txBody>
           <a:bodyPr vert="horz" wrap="square" lIns="91440" tIns="45720" rIns="91440" bIns="45720" anchor="ctr" anchorCtr="0"/>
@@ -10004,9 +9880,7 @@
             <p:ph type="title"/>
           </p:nvPr>
         </p:nvSpPr>
-        <p:spPr>
-          <a:ln/>
-        </p:spPr>
+        <p:spPr/>
         <p:txBody>
           <a:bodyPr vert="horz" wrap="square" lIns="91440" tIns="45720" rIns="91440" bIns="45720" anchor="ctr" anchorCtr="0"/>
           <a:p>
@@ -10028,9 +9902,7 @@
             <p:ph idx="1"/>
           </p:nvPr>
         </p:nvSpPr>
-        <p:spPr>
-          <a:ln/>
-        </p:spPr>
+        <p:spPr/>
         <p:txBody>
           <a:bodyPr vert="horz" wrap="square" lIns="91440" tIns="45720" rIns="91440" bIns="45720" anchor="t" anchorCtr="0"/>
           <a:p>
@@ -10112,7 +9984,6 @@
             <a:off x="457200" y="0"/>
             <a:ext cx="8229600" cy="908050"/>
           </a:xfrm>
-          <a:ln/>
         </p:spPr>
         <p:txBody>
           <a:bodyPr vert="horz" wrap="square" lIns="91440" tIns="45720" rIns="91440" bIns="45720" anchor="ctr" anchorCtr="0"/>
@@ -10449,7 +10320,6 @@
             <a:off x="457200" y="0"/>
             <a:ext cx="8229600" cy="765175"/>
           </a:xfrm>
-          <a:ln/>
         </p:spPr>
         <p:txBody>
           <a:bodyPr vert="horz" wrap="square" lIns="91440" tIns="45720" rIns="91440" bIns="45720" anchor="ctr" anchorCtr="0"/>
@@ -10798,7 +10668,6 @@
             <a:off x="457200" y="274638"/>
             <a:ext cx="8229600" cy="777875"/>
           </a:xfrm>
-          <a:ln/>
         </p:spPr>
         <p:txBody>
           <a:bodyPr vert="horz" wrap="square" lIns="91440" tIns="45720" rIns="91440" bIns="45720" anchor="ctr" anchorCtr="0"/>
@@ -10827,7 +10696,6 @@
             <a:off x="457200" y="1412875"/>
             <a:ext cx="8229600" cy="4713288"/>
           </a:xfrm>
-          <a:ln/>
         </p:spPr>
         <p:txBody>
           <a:bodyPr vert="horz" wrap="square" lIns="91440" tIns="45720" rIns="91440" bIns="45720" anchor="t" anchorCtr="0"/>
@@ -10892,7 +10760,6 @@
             <a:off x="457200" y="0"/>
             <a:ext cx="8229600" cy="908050"/>
           </a:xfrm>
-          <a:ln/>
         </p:spPr>
         <p:txBody>
           <a:bodyPr vert="horz" wrap="square" lIns="91440" tIns="45720" rIns="91440" bIns="45720" anchor="ctr" anchorCtr="0"/>
@@ -11161,7 +11028,6 @@
             <a:off x="457200" y="274638"/>
             <a:ext cx="8229600" cy="417512"/>
           </a:xfrm>
-          <a:ln/>
         </p:spPr>
         <p:txBody>
           <a:bodyPr vert="horz" wrap="square" lIns="91440" tIns="45720" rIns="91440" bIns="45720" anchor="ctr" anchorCtr="0"/>
@@ -11190,7 +11056,6 @@
             <a:off x="457200" y="981075"/>
             <a:ext cx="8229600" cy="5145088"/>
           </a:xfrm>
-          <a:ln/>
         </p:spPr>
         <p:txBody>
           <a:bodyPr vert="horz" wrap="square" lIns="91440" tIns="45720" rIns="91440" bIns="45720" anchor="t" anchorCtr="0"/>
@@ -11249,7 +11114,6 @@
             <a:off x="457200" y="274638"/>
             <a:ext cx="8229600" cy="633412"/>
           </a:xfrm>
-          <a:ln/>
         </p:spPr>
         <p:txBody>
           <a:bodyPr vert="horz" wrap="square" lIns="91440" tIns="45720" rIns="91440" bIns="45720" anchor="ctr" anchorCtr="0"/>
@@ -11278,7 +11142,6 @@
             <a:off x="457200" y="1052513"/>
             <a:ext cx="8229600" cy="5073650"/>
           </a:xfrm>
-          <a:ln/>
         </p:spPr>
         <p:txBody>
           <a:bodyPr vert="horz" wrap="square" lIns="91440" tIns="45720" rIns="91440" bIns="45720" anchor="t" anchorCtr="0"/>
@@ -11355,7 +11218,6 @@
             <a:off x="457200" y="274638"/>
             <a:ext cx="8229600" cy="654050"/>
           </a:xfrm>
-          <a:ln/>
         </p:spPr>
         <p:txBody>
           <a:bodyPr vert="horz" wrap="square" lIns="91440" tIns="45720" rIns="91440" bIns="45720" anchor="ctr" anchorCtr="0"/>
@@ -11378,9 +11240,7 @@
             <p:ph idx="1"/>
           </p:nvPr>
         </p:nvSpPr>
-        <p:spPr>
-          <a:ln/>
-        </p:spPr>
+        <p:spPr/>
         <p:txBody>
           <a:bodyPr vert="horz" wrap="square" lIns="91440" tIns="45720" rIns="91440" bIns="45720" anchor="t" anchorCtr="0"/>
           <a:p>
@@ -11481,7 +11341,6 @@
             <a:off x="457200" y="0"/>
             <a:ext cx="8229600" cy="549275"/>
           </a:xfrm>
-          <a:ln/>
         </p:spPr>
         <p:txBody>
           <a:bodyPr vert="horz" wrap="square" lIns="91440" tIns="45720" rIns="91440" bIns="45720" anchor="ctr" anchorCtr="0"/>
@@ -11830,7 +11689,6 @@
             <a:off x="457200" y="0"/>
             <a:ext cx="8229600" cy="692150"/>
           </a:xfrm>
-          <a:ln/>
         </p:spPr>
         <p:txBody>
           <a:bodyPr vert="horz" wrap="square" lIns="91440" tIns="45720" rIns="91440" bIns="45720" anchor="ctr" anchorCtr="0"/>
@@ -12047,7 +11905,6 @@
             <a:off x="457200" y="274638"/>
             <a:ext cx="8229600" cy="346075"/>
           </a:xfrm>
-          <a:ln/>
         </p:spPr>
         <p:txBody>
           <a:bodyPr vert="horz" wrap="square" lIns="91440" tIns="45720" rIns="91440" bIns="45720" anchor="ctr" anchorCtr="0"/>
@@ -12296,7 +12153,6 @@
             <a:off x="457200" y="0"/>
             <a:ext cx="8229600" cy="692150"/>
           </a:xfrm>
-          <a:ln/>
         </p:spPr>
         <p:txBody>
           <a:bodyPr vert="horz" wrap="square" lIns="91440" tIns="45720" rIns="91440" bIns="45720" anchor="ctr" anchorCtr="0"/>
@@ -12325,7 +12181,6 @@
             <a:off x="457200" y="1125538"/>
             <a:ext cx="8229600" cy="5000625"/>
           </a:xfrm>
-          <a:ln/>
         </p:spPr>
         <p:txBody>
           <a:bodyPr vert="horz" wrap="square" lIns="91440" tIns="45720" rIns="91440" bIns="45720" anchor="t" anchorCtr="0"/>
@@ -12409,9 +12264,7 @@
             <p:ph type="ctrTitle"/>
           </p:nvPr>
         </p:nvSpPr>
-        <p:spPr>
-          <a:ln/>
-        </p:spPr>
+        <p:spPr/>
         <p:txBody>
           <a:bodyPr vert="horz" wrap="square" lIns="91440" tIns="45720" rIns="91440" bIns="45720" anchor="ctr" anchorCtr="0"/>
           <a:p>
@@ -12943,7 +12796,6 @@
             <a:off x="457200" y="1125538"/>
             <a:ext cx="8229600" cy="5000625"/>
           </a:xfrm>
-          <a:ln/>
         </p:spPr>
         <p:txBody>
           <a:bodyPr vert="horz" wrap="square" lIns="91440" tIns="45720" rIns="91440" bIns="45720" anchor="t" anchorCtr="0"/>
@@ -13069,7 +12921,6 @@
             <a:off x="457200" y="1196975"/>
             <a:ext cx="8229600" cy="4929188"/>
           </a:xfrm>
-          <a:ln/>
         </p:spPr>
         <p:txBody>
           <a:bodyPr vert="horz" wrap="square" lIns="91440" tIns="45720" rIns="91440" bIns="45720" anchor="t" anchorCtr="0"/>
@@ -13132,7 +12983,6 @@
             <a:off x="457200" y="274638"/>
             <a:ext cx="8229600" cy="777875"/>
           </a:xfrm>
-          <a:ln/>
         </p:spPr>
         <p:txBody>
           <a:bodyPr vert="horz" wrap="square" lIns="91440" tIns="45720" rIns="91440" bIns="45720" anchor="ctr" anchorCtr="0"/>
@@ -13157,7 +13007,6 @@
             <a:off x="457200" y="1268413"/>
             <a:ext cx="8229600" cy="4857750"/>
           </a:xfrm>
-          <a:ln/>
         </p:spPr>
         <p:txBody>
           <a:bodyPr vert="horz" wrap="square" lIns="91440" tIns="45720" rIns="91440" bIns="45720" anchor="t" anchorCtr="0"/>
@@ -13759,9 +13608,7 @@
             <p:ph type="title"/>
           </p:nvPr>
         </p:nvSpPr>
-        <p:spPr>
-          <a:ln/>
-        </p:spPr>
+        <p:spPr/>
         <p:txBody>
           <a:bodyPr vert="horz" wrap="square" lIns="91440" tIns="45720" rIns="91440" bIns="45720" anchor="ctr" anchorCtr="0"/>
           <a:p>
@@ -13951,7 +13798,6 @@
             <a:off x="457200" y="274638"/>
             <a:ext cx="8229600" cy="490537"/>
           </a:xfrm>
-          <a:ln/>
         </p:spPr>
         <p:txBody>
           <a:bodyPr vert="horz" wrap="square" lIns="91440" tIns="45720" rIns="91440" bIns="45720" anchor="ctr" anchorCtr="0"/>
@@ -13980,7 +13826,6 @@
             <a:off x="457200" y="981075"/>
             <a:ext cx="8229600" cy="5145088"/>
           </a:xfrm>
-          <a:ln/>
         </p:spPr>
         <p:txBody>
           <a:bodyPr vert="horz" wrap="square" lIns="91440" tIns="45720" rIns="91440" bIns="45720" anchor="t" anchorCtr="0"/>
@@ -14895,9 +14740,7 @@
             <p:ph type="title"/>
           </p:nvPr>
         </p:nvSpPr>
-        <p:spPr>
-          <a:ln/>
-        </p:spPr>
+        <p:spPr/>
         <p:txBody>
           <a:bodyPr vert="horz" wrap="square" lIns="91440" tIns="45720" rIns="91440" bIns="45720" anchor="ctr" anchorCtr="0"/>
           <a:p>
@@ -15430,9 +15273,7 @@
             <p:ph type="title"/>
           </p:nvPr>
         </p:nvSpPr>
-        <p:spPr>
-          <a:ln/>
-        </p:spPr>
+        <p:spPr/>
         <p:txBody>
           <a:bodyPr vert="horz" wrap="square" lIns="91440" tIns="45720" rIns="91440" bIns="45720" anchor="ctr" anchorCtr="0"/>
           <a:p>
@@ -15767,9 +15608,7 @@
             <p:ph type="title"/>
           </p:nvPr>
         </p:nvSpPr>
-        <p:spPr>
-          <a:ln/>
-        </p:spPr>
+        <p:spPr/>
         <p:txBody>
           <a:bodyPr vert="horz" wrap="square" lIns="91440" tIns="45720" rIns="91440" bIns="45720" anchor="ctr" anchorCtr="0"/>
           <a:p>
@@ -16106,9 +15945,7 @@
             <p:ph type="title"/>
           </p:nvPr>
         </p:nvSpPr>
-        <p:spPr>
-          <a:ln/>
-        </p:spPr>
+        <p:spPr/>
         <p:txBody>
           <a:bodyPr vert="horz" wrap="square" lIns="91440" tIns="45720" rIns="91440" bIns="45720" anchor="ctr" anchorCtr="0"/>
           <a:p>
@@ -16126,9 +15963,7 @@
             <p:ph idx="1"/>
           </p:nvPr>
         </p:nvSpPr>
-        <p:spPr>
-          <a:ln/>
-        </p:spPr>
+        <p:spPr/>
         <p:txBody>
           <a:bodyPr vert="horz" wrap="square" lIns="91440" tIns="45720" rIns="91440" bIns="45720" anchor="t" anchorCtr="0"/>
           <a:p>
@@ -16635,7 +16470,6 @@
             <a:off x="457200" y="274638"/>
             <a:ext cx="8229600" cy="417512"/>
           </a:xfrm>
-          <a:ln/>
         </p:spPr>
         <p:txBody>
           <a:bodyPr vert="horz" wrap="square" lIns="91440" tIns="45720" rIns="91440" bIns="45720" anchor="ctr" anchorCtr="0"/>
@@ -16986,7 +16820,6 @@
             <a:off x="457200" y="274638"/>
             <a:ext cx="8229600" cy="633412"/>
           </a:xfrm>
-          <a:ln/>
         </p:spPr>
         <p:txBody>
           <a:bodyPr vert="horz" wrap="square" lIns="91440" tIns="45720" rIns="91440" bIns="45720" anchor="ctr" anchorCtr="0"/>
@@ -17466,7 +17299,6 @@
             <a:off x="457200" y="0"/>
             <a:ext cx="8229600" cy="476250"/>
           </a:xfrm>
-          <a:ln/>
         </p:spPr>
         <p:txBody>
           <a:bodyPr vert="horz" wrap="square" lIns="91440" tIns="45720" rIns="91440" bIns="45720" anchor="ctr" anchorCtr="0"/>
@@ -17766,7 +17598,6 @@
             <a:off x="457200" y="0"/>
             <a:ext cx="8229600" cy="549275"/>
           </a:xfrm>
-          <a:ln/>
         </p:spPr>
         <p:txBody>
           <a:bodyPr vert="horz" wrap="square" lIns="91440" tIns="45720" rIns="91440" bIns="45720" anchor="ctr" anchorCtr="0"/>
@@ -18098,7 +17929,6 @@
             <a:off x="457200" y="0"/>
             <a:ext cx="8229600" cy="476250"/>
           </a:xfrm>
-          <a:ln/>
         </p:spPr>
         <p:txBody>
           <a:bodyPr vert="horz" wrap="square" lIns="91440" tIns="45720" rIns="91440" bIns="45720" anchor="ctr" anchorCtr="0"/>
@@ -18415,7 +18245,6 @@
             <a:off x="457200" y="0"/>
             <a:ext cx="8229600" cy="549275"/>
           </a:xfrm>
-          <a:ln/>
         </p:spPr>
         <p:txBody>
           <a:bodyPr vert="horz" wrap="square" lIns="91440" tIns="45720" rIns="91440" bIns="45720" anchor="ctr" anchorCtr="0"/>
@@ -18698,7 +18527,6 @@
             <a:off x="457200" y="0"/>
             <a:ext cx="8229600" cy="549275"/>
           </a:xfrm>
-          <a:ln/>
         </p:spPr>
         <p:txBody>
           <a:bodyPr vert="horz" wrap="square" lIns="91440" tIns="45720" rIns="91440" bIns="45720" anchor="ctr" anchorCtr="0"/>
@@ -18727,7 +18555,6 @@
             <a:off x="457200" y="908050"/>
             <a:ext cx="8229600" cy="5218113"/>
           </a:xfrm>
-          <a:ln/>
         </p:spPr>
         <p:txBody>
           <a:bodyPr vert="horz" wrap="square" lIns="91440" tIns="45720" rIns="91440" bIns="45720" anchor="t" anchorCtr="0"/>
@@ -18837,7 +18664,6 @@
             <a:off x="457200" y="1052513"/>
             <a:ext cx="8229600" cy="5073650"/>
           </a:xfrm>
-          <a:ln/>
         </p:spPr>
         <p:txBody>
           <a:bodyPr vert="horz" wrap="square" lIns="91440" tIns="45720" rIns="91440" bIns="45720" anchor="t" anchorCtr="0"/>
@@ -18900,7 +18726,6 @@
             <a:off x="457200" y="188913"/>
             <a:ext cx="8229600" cy="503237"/>
           </a:xfrm>
-          <a:ln/>
         </p:spPr>
         <p:txBody>
           <a:bodyPr vert="horz" wrap="square" lIns="91440" tIns="45720" rIns="91440" bIns="45720" anchor="ctr" anchorCtr="0"/>
@@ -19198,7 +19023,6 @@
             <a:off x="457200" y="274638"/>
             <a:ext cx="8229600" cy="274637"/>
           </a:xfrm>
-          <a:ln/>
         </p:spPr>
         <p:txBody>
           <a:bodyPr vert="horz" wrap="square" lIns="91440" tIns="45720" rIns="91440" bIns="45720" anchor="ctr" anchorCtr="0"/>
@@ -19415,7 +19239,6 @@
             <a:off x="457200" y="274638"/>
             <a:ext cx="8229600" cy="417512"/>
           </a:xfrm>
-          <a:ln/>
         </p:spPr>
         <p:txBody>
           <a:bodyPr vert="horz" wrap="square" lIns="91440" tIns="45720" rIns="91440" bIns="45720" anchor="ctr" anchorCtr="0"/>
@@ -19892,7 +19715,6 @@
             <a:off x="457200" y="274638"/>
             <a:ext cx="8229600" cy="850900"/>
           </a:xfrm>
-          <a:ln/>
         </p:spPr>
         <p:txBody>
           <a:bodyPr vert="horz" wrap="square" lIns="91440" tIns="45720" rIns="91440" bIns="45720" anchor="ctr" anchorCtr="0"/>
@@ -20569,7 +20391,6 @@
             <a:off x="457200" y="1052513"/>
             <a:ext cx="8229600" cy="5073650"/>
           </a:xfrm>
-          <a:ln/>
         </p:spPr>
         <p:txBody>
           <a:bodyPr vert="horz" wrap="square" lIns="91440" tIns="45720" rIns="91440" bIns="45720" anchor="t" anchorCtr="0"/>
@@ -20616,7 +20437,6 @@
             <a:off x="468313" y="0"/>
             <a:ext cx="8229600" cy="765175"/>
           </a:xfrm>
-          <a:ln/>
         </p:spPr>
         <p:txBody>
           <a:bodyPr vert="horz" wrap="square" lIns="91440" tIns="45720" rIns="91440" bIns="45720" anchor="ctr" anchorCtr="0"/>
@@ -20967,7 +20787,6 @@
             <a:off x="457200" y="0"/>
             <a:ext cx="8229600" cy="620713"/>
           </a:xfrm>
-          <a:ln/>
         </p:spPr>
         <p:txBody>
           <a:bodyPr vert="horz" wrap="square" lIns="91440" tIns="45720" rIns="91440" bIns="45720" anchor="ctr" anchorCtr="0"/>
@@ -20996,7 +20815,6 @@
             <a:off x="457200" y="908050"/>
             <a:ext cx="8229600" cy="5218113"/>
           </a:xfrm>
-          <a:ln/>
         </p:spPr>
         <p:txBody>
           <a:bodyPr vert="horz" wrap="square" lIns="91440" tIns="45720" rIns="91440" bIns="45720" anchor="t" anchorCtr="0"/>
@@ -21067,7 +20885,6 @@
             <a:off x="457200" y="274638"/>
             <a:ext cx="8229600" cy="417512"/>
           </a:xfrm>
-          <a:ln/>
         </p:spPr>
         <p:txBody>
           <a:bodyPr vert="horz" wrap="square" lIns="91440" tIns="45720" rIns="91440" bIns="45720" anchor="ctr" anchorCtr="0"/>
@@ -21382,7 +21199,6 @@
             <a:off x="457200" y="0"/>
             <a:ext cx="8229600" cy="476250"/>
           </a:xfrm>
-          <a:ln/>
         </p:spPr>
         <p:txBody>
           <a:bodyPr vert="horz" wrap="square" lIns="91440" tIns="45720" rIns="91440" bIns="45720" anchor="ctr" anchorCtr="0"/>
@@ -21748,7 +21564,6 @@
             <a:off x="457200" y="274638"/>
             <a:ext cx="8229600" cy="490537"/>
           </a:xfrm>
-          <a:ln/>
         </p:spPr>
         <p:txBody>
           <a:bodyPr vert="horz" wrap="square" lIns="91440" tIns="45720" rIns="91440" bIns="45720" anchor="ctr" anchorCtr="0"/>
@@ -22384,9 +22199,7 @@
             <p:ph type="title"/>
           </p:nvPr>
         </p:nvSpPr>
-        <p:spPr>
-          <a:ln/>
-        </p:spPr>
+        <p:spPr/>
         <p:txBody>
           <a:bodyPr vert="horz" wrap="square" lIns="91440" tIns="45720" rIns="91440" bIns="45720" anchor="ctr" anchorCtr="0"/>
           <a:p>
@@ -22408,9 +22221,7 @@
             <p:ph idx="1"/>
           </p:nvPr>
         </p:nvSpPr>
-        <p:spPr>
-          <a:ln/>
-        </p:spPr>
+        <p:spPr/>
         <p:txBody>
           <a:bodyPr vert="horz" wrap="square" lIns="91440" tIns="45720" rIns="91440" bIns="45720" anchor="t" anchorCtr="0"/>
           <a:p>
@@ -22457,9 +22268,7 @@
             <p:ph type="title"/>
           </p:nvPr>
         </p:nvSpPr>
-        <p:spPr>
-          <a:ln/>
-        </p:spPr>
+        <p:spPr/>
         <p:txBody>
           <a:bodyPr vert="horz" wrap="square" lIns="91440" tIns="45720" rIns="91440" bIns="45720" anchor="ctr" anchorCtr="0"/>
           <a:p>
@@ -22481,9 +22290,7 @@
             <p:ph idx="1"/>
           </p:nvPr>
         </p:nvSpPr>
-        <p:spPr>
-          <a:ln/>
-        </p:spPr>
+        <p:spPr/>
         <p:txBody>
           <a:bodyPr vert="horz" wrap="square" lIns="91440" tIns="45720" rIns="91440" bIns="45720" anchor="t" anchorCtr="0"/>
           <a:p>
@@ -22894,7 +22701,6 @@
             <a:off x="457200" y="274638"/>
             <a:ext cx="8229600" cy="850900"/>
           </a:xfrm>
-          <a:ln/>
         </p:spPr>
         <p:txBody>
           <a:bodyPr vert="horz" wrap="square" lIns="91440" tIns="45720" rIns="91440" bIns="45720" anchor="ctr" anchorCtr="0"/>
@@ -23530,7 +23336,6 @@
             <a:off x="457200" y="1052513"/>
             <a:ext cx="8229600" cy="5073650"/>
           </a:xfrm>
-          <a:ln/>
         </p:spPr>
         <p:txBody>
           <a:bodyPr vert="horz" wrap="square" lIns="91440" tIns="45720" rIns="91440" bIns="45720" anchor="t" anchorCtr="0"/>
@@ -24719,7 +24524,6 @@
             <a:off x="457200" y="620713"/>
             <a:ext cx="8229600" cy="5505450"/>
           </a:xfrm>
-          <a:ln/>
         </p:spPr>
         <p:txBody>
           <a:bodyPr vert="horz" wrap="square" lIns="91440" tIns="45720" rIns="91440" bIns="45720" anchor="t" anchorCtr="0"/>
@@ -24853,7 +24657,6 @@
             <a:off x="457200" y="908050"/>
             <a:ext cx="8229600" cy="5218113"/>
           </a:xfrm>
-          <a:ln/>
         </p:spPr>
         <p:txBody>
           <a:bodyPr vert="horz" wrap="square" lIns="91440" tIns="45720" rIns="91440" bIns="45720" anchor="t" anchorCtr="0"/>
@@ -24914,7 +24717,6 @@
             <a:off x="457200" y="0"/>
             <a:ext cx="8229600" cy="836613"/>
           </a:xfrm>
-          <a:ln/>
         </p:spPr>
         <p:txBody>
           <a:bodyPr vert="horz" wrap="square" lIns="91440" tIns="45720" rIns="91440" bIns="45720" anchor="ctr" anchorCtr="0"/>
@@ -25809,7 +25611,6 @@
             <a:off x="457200" y="0"/>
             <a:ext cx="8229600" cy="765175"/>
           </a:xfrm>
-          <a:ln/>
         </p:spPr>
         <p:txBody>
           <a:bodyPr vert="horz" wrap="square" lIns="91440" tIns="45720" rIns="91440" bIns="45720" anchor="ctr" anchorCtr="0"/>
@@ -26172,9 +25973,7 @@
             <p:ph type="title"/>
           </p:nvPr>
         </p:nvSpPr>
-        <p:spPr>
-          <a:ln/>
-        </p:spPr>
+        <p:spPr/>
         <p:txBody>
           <a:bodyPr vert="horz" wrap="square" lIns="91440" tIns="45720" rIns="91440" bIns="45720" anchor="ctr" anchorCtr="0"/>
           <a:p>
@@ -26196,9 +25995,7 @@
             <p:ph idx="1"/>
           </p:nvPr>
         </p:nvSpPr>
-        <p:spPr>
-          <a:ln/>
-        </p:spPr>
+        <p:spPr/>
         <p:txBody>
           <a:bodyPr vert="horz" wrap="square" lIns="91440" tIns="45720" rIns="91440" bIns="45720" anchor="t" anchorCtr="0"/>
           <a:p>
@@ -26593,7 +26390,6 @@
             <a:off x="457200" y="981075"/>
             <a:ext cx="8229600" cy="5145088"/>
           </a:xfrm>
-          <a:ln/>
         </p:spPr>
         <p:txBody>
           <a:bodyPr vert="horz" wrap="square" lIns="91440" tIns="45720" rIns="91440" bIns="45720" anchor="t" anchorCtr="0"/>
@@ -26935,7 +26731,6 @@
             <a:off x="457200" y="908050"/>
             <a:ext cx="8229600" cy="5218113"/>
           </a:xfrm>
-          <a:ln/>
         </p:spPr>
         <p:txBody>
           <a:bodyPr vert="horz" wrap="square" lIns="91440" tIns="45720" rIns="91440" bIns="45720" anchor="t" anchorCtr="0"/>
@@ -27302,7 +27097,6 @@
             <a:off x="457200" y="274638"/>
             <a:ext cx="8229600" cy="561975"/>
           </a:xfrm>
-          <a:ln/>
         </p:spPr>
         <p:txBody>
           <a:bodyPr vert="horz" wrap="square" lIns="91440" tIns="45720" rIns="91440" bIns="45720" anchor="ctr" anchorCtr="0"/>
@@ -27514,9 +27308,7 @@
             <p:ph type="title"/>
           </p:nvPr>
         </p:nvSpPr>
-        <p:spPr>
-          <a:ln/>
-        </p:spPr>
+        <p:spPr/>
         <p:txBody>
           <a:bodyPr vert="horz" wrap="square" lIns="91440" tIns="45720" rIns="91440" bIns="45720" anchor="ctr" anchorCtr="0"/>
           <a:p>
@@ -27535,9 +27327,7 @@
             <p:ph idx="1"/>
           </p:nvPr>
         </p:nvSpPr>
-        <p:spPr>
-          <a:ln/>
-        </p:spPr>
+        <p:spPr/>
         <p:txBody>
           <a:bodyPr vert="horz" wrap="square" lIns="91440" tIns="45720" rIns="91440" bIns="45720" anchor="t" anchorCtr="0"/>
           <a:p>
@@ -27858,7 +27648,6 @@
             <a:off x="457200" y="0"/>
             <a:ext cx="8229600" cy="549275"/>
           </a:xfrm>
-          <a:ln/>
         </p:spPr>
         <p:txBody>
           <a:bodyPr vert="horz" wrap="square" lIns="91440" tIns="45720" rIns="91440" bIns="45720" anchor="ctr" anchorCtr="0"/>
@@ -28115,7 +27904,6 @@
             <a:off x="457200" y="981075"/>
             <a:ext cx="8229600" cy="5145088"/>
           </a:xfrm>
-          <a:ln/>
         </p:spPr>
         <p:txBody>
           <a:bodyPr vert="horz" wrap="square" lIns="91440" tIns="45720" rIns="91440" bIns="45720" anchor="t" anchorCtr="0"/>
@@ -28274,7 +28062,6 @@
             <a:off x="457200" y="928688"/>
             <a:ext cx="8229600" cy="5429250"/>
           </a:xfrm>
-          <a:ln/>
         </p:spPr>
         <p:txBody>
           <a:bodyPr vert="horz" wrap="square" lIns="91440" tIns="45720" rIns="91440" bIns="45720" anchor="t" anchorCtr="0"/>
@@ -28406,7 +28193,6 @@
             <a:off x="457200" y="2276475"/>
             <a:ext cx="8229600" cy="2439988"/>
           </a:xfrm>
-          <a:ln/>
         </p:spPr>
       </p:pic>
     </p:spTree>
@@ -28512,7 +28298,6 @@
             <a:off x="457200" y="1071563"/>
             <a:ext cx="8229600" cy="5054600"/>
           </a:xfrm>
-          <a:ln/>
         </p:spPr>
         <p:txBody>
           <a:bodyPr vert="horz" wrap="square" lIns="91440" tIns="45720" rIns="91440" bIns="45720" anchor="t" anchorCtr="0"/>
@@ -28553,9 +28338,7 @@
             <p:ph type="title"/>
           </p:nvPr>
         </p:nvSpPr>
-        <p:spPr>
-          <a:ln/>
-        </p:spPr>
+        <p:spPr/>
         <p:txBody>
           <a:bodyPr vert="horz" wrap="square" lIns="91440" tIns="45720" rIns="91440" bIns="45720" anchor="ctr" anchorCtr="0"/>
           <a:p>
@@ -28580,9 +28363,7 @@
             <p:ph idx="1"/>
           </p:nvPr>
         </p:nvSpPr>
-        <p:spPr>
-          <a:ln/>
-        </p:spPr>
+        <p:spPr/>
         <p:txBody>
           <a:bodyPr vert="horz" wrap="square" lIns="91440" tIns="45720" rIns="91440" bIns="45720" anchor="t" anchorCtr="0"/>
           <a:p>
@@ -28650,9 +28431,7 @@
             <p:ph type="title"/>
           </p:nvPr>
         </p:nvSpPr>
-        <p:spPr>
-          <a:ln/>
-        </p:spPr>
+        <p:spPr/>
         <p:txBody>
           <a:bodyPr vert="horz" wrap="square" lIns="91440" tIns="45720" rIns="91440" bIns="45720" anchor="ctr" anchorCtr="0"/>
           <a:p>
@@ -28674,9 +28453,7 @@
             <p:ph idx="1"/>
           </p:nvPr>
         </p:nvSpPr>
-        <p:spPr>
-          <a:ln/>
-        </p:spPr>
+        <p:spPr/>
         <p:txBody>
           <a:bodyPr vert="horz" wrap="square" lIns="91440" tIns="45720" rIns="91440" bIns="45720" anchor="t" anchorCtr="0"/>
           <a:p>
@@ -28785,9 +28562,7 @@
             <p:ph type="title"/>
           </p:nvPr>
         </p:nvSpPr>
-        <p:spPr>
-          <a:ln/>
-        </p:spPr>
+        <p:spPr/>
         <p:txBody>
           <a:bodyPr vert="horz" wrap="square" lIns="91440" tIns="45720" rIns="91440" bIns="45720" anchor="ctr" anchorCtr="0"/>
           <a:p>
@@ -28809,9 +28584,7 @@
             <p:ph idx="1"/>
           </p:nvPr>
         </p:nvSpPr>
-        <p:spPr>
-          <a:ln/>
-        </p:spPr>
+        <p:spPr/>
         <p:txBody>
           <a:bodyPr vert="horz" wrap="square" lIns="91440" tIns="45720" rIns="91440" bIns="45720" anchor="t" anchorCtr="0"/>
           <a:p>
@@ -28924,7 +28697,6 @@
             <a:off x="457200" y="274638"/>
             <a:ext cx="8229600" cy="706437"/>
           </a:xfrm>
-          <a:ln/>
         </p:spPr>
         <p:txBody>
           <a:bodyPr vert="horz" wrap="square" lIns="91440" tIns="45720" rIns="91440" bIns="45720" anchor="ctr" anchorCtr="0"/>
@@ -28952,7 +28724,6 @@
             <a:off x="457200" y="1268413"/>
             <a:ext cx="8229600" cy="4857750"/>
           </a:xfrm>
-          <a:ln/>
         </p:spPr>
         <p:txBody>
           <a:bodyPr vert="horz" wrap="square" lIns="91440" tIns="45720" rIns="91440" bIns="45720" anchor="t" anchorCtr="0"/>
@@ -29028,7 +28799,6 @@
             <a:off x="457200" y="274638"/>
             <a:ext cx="8229600" cy="850900"/>
           </a:xfrm>
-          <a:ln/>
         </p:spPr>
         <p:txBody>
           <a:bodyPr vert="horz" wrap="square" lIns="91440" tIns="45720" rIns="91440" bIns="45720" anchor="ctr" anchorCtr="0"/>
@@ -29056,7 +28826,6 @@
             <a:off x="457200" y="1412875"/>
             <a:ext cx="8229600" cy="4713288"/>
           </a:xfrm>
-          <a:ln/>
         </p:spPr>
         <p:txBody>
           <a:bodyPr vert="horz" wrap="square" lIns="91440" tIns="45720" rIns="91440" bIns="45720" anchor="t" anchorCtr="0"/>
@@ -29128,7 +28897,6 @@
             <a:off x="457200" y="274638"/>
             <a:ext cx="8229600" cy="706437"/>
           </a:xfrm>
-          <a:ln/>
         </p:spPr>
         <p:txBody>
           <a:bodyPr vert="horz" wrap="square" lIns="91440" tIns="45720" rIns="91440" bIns="45720" anchor="ctr" anchorCtr="0"/>
@@ -29151,9 +28919,7 @@
             <p:ph idx="1"/>
           </p:nvPr>
         </p:nvSpPr>
-        <p:spPr>
-          <a:ln/>
-        </p:spPr>
+        <p:spPr/>
         <p:txBody>
           <a:bodyPr vert="horz" wrap="square" lIns="91440" tIns="45720" rIns="91440" bIns="45720" anchor="t" anchorCtr="0"/>
           <a:p>
@@ -29216,7 +28982,6 @@
             <a:off x="457200" y="274638"/>
             <a:ext cx="8229600" cy="417512"/>
           </a:xfrm>
-          <a:ln/>
         </p:spPr>
         <p:txBody>
           <a:bodyPr vert="horz" wrap="square" lIns="91440" tIns="45720" rIns="91440" bIns="45720" anchor="ctr" anchorCtr="0"/>
@@ -29244,7 +29009,6 @@
             <a:off x="457200" y="836613"/>
             <a:ext cx="8229600" cy="5289550"/>
           </a:xfrm>
-          <a:ln/>
         </p:spPr>
         <p:txBody>
           <a:bodyPr vert="horz" wrap="square" lIns="91440" tIns="45720" rIns="91440" bIns="45720" anchor="t" anchorCtr="0"/>
@@ -29332,7 +29096,6 @@
             <a:off x="457200" y="274638"/>
             <a:ext cx="8229600" cy="706437"/>
           </a:xfrm>
-          <a:ln/>
         </p:spPr>
         <p:txBody>
           <a:bodyPr vert="horz" wrap="square" lIns="91440" tIns="45720" rIns="91440" bIns="45720" anchor="ctr" anchorCtr="0"/>
@@ -29360,7 +29123,6 @@
             <a:off x="457200" y="1268413"/>
             <a:ext cx="8229600" cy="4857750"/>
           </a:xfrm>
-          <a:ln/>
         </p:spPr>
         <p:txBody>
           <a:bodyPr vert="horz" wrap="square" lIns="91440" tIns="45720" rIns="91440" bIns="45720" anchor="t" anchorCtr="0"/>

--- a/auca/sem-1/intro-to-bible-study/1 intro to Bible study Notes.pptx
+++ b/auca/sem-1/intro-to-bible-study/1 intro to Bible study Notes.pptx
@@ -6496,34 +6496,41 @@
             <p:ph type="title"/>
           </p:nvPr>
         </p:nvSpPr>
+        <p:spPr>
+          <a:xfrm>
+            <a:off x="457200" y="274955"/>
+            <a:ext cx="8229600" cy="1113155"/>
+          </a:xfrm>
+        </p:spPr>
+        <p:txBody>
+          <a:bodyPr vert="horz" wrap="square" lIns="91440" tIns="45720" rIns="91440" bIns="45720" anchor="ctr" anchorCtr="0"/>
+          <a:p>
+            <a:r>
+              <a:rPr lang="en-GB" altLang="en-US" dirty="0">
+                <a:sym typeface="+mn-ea"/>
+              </a:rPr>
+              <a:t>Answers</a:t>
+            </a:r>
+            <a:br>
+              <a:rPr lang="en-GB" altLang="en-US" dirty="0"/>
+            </a:br>
+            <a:endParaRPr lang="en-GB" altLang="en-US" dirty="0"/>
+          </a:p>
+        </p:txBody>
+      </p:sp>
+      <p:sp>
+        <p:nvSpPr>
+          <p:cNvPr id="115715" name="Content Placeholder 2"/>
+          <p:cNvSpPr>
+            <a:spLocks noGrp="1"/>
+          </p:cNvSpPr>
+          <p:nvPr>
+            <p:ph idx="1"/>
+          </p:nvPr>
+        </p:nvSpPr>
         <p:spPr/>
         <p:txBody>
-          <a:bodyPr vert="horz" wrap="square" lIns="91440" tIns="45720" rIns="91440" bIns="45720" anchor="ctr" anchorCtr="0"/>
-          <a:p>
-            <a:endParaRPr lang="en-GB" altLang="en-US" dirty="0"/>
-          </a:p>
-        </p:txBody>
-      </p:sp>
-      <p:sp>
-        <p:nvSpPr>
-          <p:cNvPr id="115715" name="Content Placeholder 2"/>
-          <p:cNvSpPr>
-            <a:spLocks noGrp="1"/>
-          </p:cNvSpPr>
-          <p:nvPr>
-            <p:ph idx="1"/>
-          </p:nvPr>
-        </p:nvSpPr>
-        <p:spPr/>
-        <p:txBody>
           <a:bodyPr vert="horz" wrap="square" lIns="91440" tIns="45720" rIns="91440" bIns="45720" anchor="t" anchorCtr="0"/>
-          <a:p>
-            <a:r>
-              <a:rPr lang="en-GB" altLang="en-US" sz="2400" dirty="0"/>
-              <a:t>Answers</a:t>
-            </a:r>
-            <a:endParaRPr lang="en-GB" altLang="en-US" sz="2400" dirty="0"/>
-          </a:p>
           <a:p>
             <a:r>
               <a:rPr lang="en-GB" altLang="en-US" sz="2400" dirty="0"/>
@@ -6676,7 +6683,7 @@
       <p:grpSpPr/>
       <p:sp>
         <p:nvSpPr>
-          <p:cNvPr id="117762" name="Title 1"/>
+          <p:cNvPr id="2" name="Title 1"/>
           <p:cNvSpPr>
             <a:spLocks noGrp="1"/>
           </p:cNvSpPr>
@@ -6686,9 +6693,15 @@
         </p:nvSpPr>
         <p:spPr/>
         <p:txBody>
-          <a:bodyPr vert="horz" wrap="square" lIns="91440" tIns="45720" rIns="91440" bIns="45720" anchor="ctr" anchorCtr="0"/>
-          <a:p>
-            <a:endParaRPr lang="en-GB" altLang="en-US" dirty="0"/>
+          <a:bodyPr/>
+          <a:p>
+            <a:r>
+              <a:rPr lang="en-GB" altLang="en-US" dirty="0">
+                <a:sym typeface="+mn-ea"/>
+              </a:rPr>
+              <a:t>2. INTERPRETATION </a:t>
+            </a:r>
+            <a:endParaRPr lang="en-US"/>
           </a:p>
         </p:txBody>
       </p:sp>
@@ -6702,82 +6715,70 @@
             <p:ph idx="1"/>
           </p:nvPr>
         </p:nvSpPr>
-        <p:spPr>
-          <a:xfrm>
-            <a:off x="457200" y="1412875"/>
-            <a:ext cx="8229600" cy="5040313"/>
-          </a:xfrm>
-        </p:spPr>
+        <p:spPr/>
         <p:txBody>
           <a:bodyPr vert="horz" wrap="square" lIns="91440" tIns="45720" rIns="91440" bIns="45720" anchor="t" anchorCtr="0"/>
           <a:p>
-            <a:r>
-              <a:rPr lang="en-GB" altLang="en-US" sz="2800" dirty="0"/>
-              <a:t>2. INTERPRETATION </a:t>
-            </a:r>
+            <a:pPr algn="just"/>
+            <a:r>
+              <a:rPr lang="en-GB" altLang="en-US" sz="2000" dirty="0"/>
+              <a:t>Message to Immediate audience </a:t>
+            </a:r>
+            <a:endParaRPr lang="en-GB" altLang="en-US" sz="2000" dirty="0"/>
+          </a:p>
+          <a:p>
+            <a:pPr algn="just"/>
+            <a:r>
+              <a:rPr lang="en-GB" altLang="en-US" sz="2000" dirty="0"/>
+              <a:t>The goal of the step of interpretation is that the basic observations begin to be identified in relationship to each other and the entire text, in order to reveal what it meant to the original recipients. What it means to the people to who it was written.</a:t>
+            </a:r>
+            <a:endParaRPr lang="en-GB" altLang="en-US" sz="2000" dirty="0"/>
+          </a:p>
+          <a:p>
+            <a:pPr algn="just"/>
+            <a:r>
+              <a:rPr lang="en-GB" altLang="en-US" sz="2000" dirty="0"/>
+              <a:t>Remember that context rules.</a:t>
+            </a:r>
+            <a:endParaRPr lang="en-GB" altLang="en-US" sz="2000" dirty="0"/>
+          </a:p>
+          <a:p>
+            <a:pPr algn="just"/>
+            <a:r>
+              <a:rPr lang="en-GB" altLang="en-US" sz="2000" dirty="0"/>
+              <a:t>Always seek the full counsel of the Word of God.</a:t>
+            </a:r>
+            <a:endParaRPr lang="en-GB" altLang="en-US" sz="2000" dirty="0"/>
+          </a:p>
+          <a:p>
+            <a:pPr algn="just"/>
+            <a:r>
+              <a:rPr lang="en-GB" altLang="en-US" sz="2000" dirty="0"/>
+              <a:t>Remember that Scripture will never contradict Scripture</a:t>
+            </a:r>
+            <a:endParaRPr lang="en-GB" altLang="en-US" sz="2000" dirty="0"/>
+          </a:p>
+          <a:p>
+            <a:pPr algn="just"/>
+            <a:r>
+              <a:rPr lang="en-GB" altLang="en-US" sz="2000" dirty="0"/>
+              <a:t>Don’t base your convictions on an obscure passage of Scripture</a:t>
+            </a:r>
+            <a:endParaRPr lang="en-GB" altLang="en-US" sz="2000" dirty="0"/>
+          </a:p>
+          <a:p>
+            <a:pPr algn="just"/>
+            <a:r>
+              <a:rPr lang="en-GB" altLang="en-US" sz="2000" dirty="0"/>
+              <a:t>Look for the single meaning of the passage</a:t>
+            </a:r>
+            <a:endParaRPr lang="en-GB" altLang="en-US" sz="2000" dirty="0"/>
+          </a:p>
+          <a:p>
             <a:endParaRPr lang="en-GB" altLang="en-US" sz="2800" dirty="0"/>
           </a:p>
           <a:p>
-            <a:pPr algn="just"/>
-            <a:r>
-              <a:rPr lang="en-GB" altLang="en-US" sz="2400" dirty="0"/>
-              <a:t>Message to Immediate audience </a:t>
-            </a:r>
-            <a:endParaRPr lang="en-GB" altLang="en-US" sz="2400" dirty="0"/>
-          </a:p>
-          <a:p>
-            <a:pPr algn="just"/>
-            <a:r>
-              <a:rPr lang="en-GB" altLang="en-US" sz="2400" dirty="0"/>
-              <a:t>The goal of the step of interpretation is that the basic observations begin to be identified in relationship to each other and the entire text, in order to reveal what it meant to the original recipients. What it means to the people to who it was written.</a:t>
-            </a:r>
-            <a:endParaRPr lang="en-GB" altLang="en-US" sz="2400" dirty="0"/>
-          </a:p>
-          <a:p>
-            <a:pPr algn="just"/>
-            <a:r>
-              <a:rPr lang="en-GB" altLang="en-US" sz="2400" dirty="0"/>
-              <a:t>Remember that context rules.</a:t>
-            </a:r>
-            <a:endParaRPr lang="en-GB" altLang="en-US" sz="2400" dirty="0"/>
-          </a:p>
-          <a:p>
-            <a:pPr algn="just"/>
-            <a:r>
-              <a:rPr lang="en-GB" altLang="en-US" sz="2400" dirty="0"/>
-              <a:t>Always seek the full counsel of the Word of God.</a:t>
-            </a:r>
-            <a:endParaRPr lang="en-GB" altLang="en-US" sz="2400" dirty="0"/>
-          </a:p>
-          <a:p>
-            <a:pPr algn="just"/>
-            <a:r>
-              <a:rPr lang="en-GB" altLang="en-US" sz="2400" dirty="0"/>
-              <a:t>Remember that Scripture will never contradict Scripture</a:t>
-            </a:r>
-            <a:endParaRPr lang="en-GB" altLang="en-US" sz="2400" dirty="0"/>
-          </a:p>
-          <a:p>
-            <a:pPr algn="just"/>
-            <a:r>
-              <a:rPr lang="en-GB" altLang="en-US" sz="2400" dirty="0"/>
-              <a:t>Don’t base your convictions on an obscure passage of Scripture</a:t>
-            </a:r>
-            <a:endParaRPr lang="en-GB" altLang="en-US" sz="2400" dirty="0"/>
-          </a:p>
-          <a:p>
-            <a:pPr algn="just"/>
-            <a:r>
-              <a:rPr lang="en-GB" altLang="en-US" sz="2400" dirty="0"/>
-              <a:t>Look for the single meaning of the passage</a:t>
-            </a:r>
-            <a:endParaRPr lang="en-GB" altLang="en-US" sz="2400" dirty="0"/>
-          </a:p>
-          <a:p>
-            <a:endParaRPr lang="en-GB" altLang="en-US" dirty="0"/>
-          </a:p>
-          <a:p>
-            <a:endParaRPr lang="en-GB" altLang="en-US" dirty="0"/>
+            <a:endParaRPr lang="en-GB" altLang="en-US" sz="2800" dirty="0"/>
           </a:p>
         </p:txBody>
       </p:sp>
@@ -6881,6 +6882,15 @@
         <p:txBody>
           <a:bodyPr vert="horz" wrap="square" lIns="91440" tIns="45720" rIns="91440" bIns="45720" anchor="ctr" anchorCtr="0"/>
           <a:p>
+            <a:r>
+              <a:rPr lang="en-GB" altLang="en-US" dirty="0">
+                <a:sym typeface="+mn-ea"/>
+              </a:rPr>
+              <a:t>3. APPLICATION</a:t>
+            </a:r>
+            <a:br>
+              <a:rPr lang="en-GB" altLang="en-US" dirty="0"/>
+            </a:br>
             <a:endParaRPr lang="en-GB" altLang="en-US" dirty="0"/>
           </a:p>
         </p:txBody>
@@ -6904,11 +6914,8 @@
             </a:pPr>
             <a:r>
               <a:rPr lang="en-GB" altLang="en-US" dirty="0"/>
-              <a:t>  3. APPLICATION</a:t>
-            </a:r>
-            <a:endParaRPr lang="en-GB" altLang="en-US" dirty="0"/>
-          </a:p>
-          <a:p>
+              <a:t>  </a:t>
+            </a:r>
             <a:r>
               <a:rPr lang="en-GB" altLang="en-US" sz="2400" dirty="0"/>
               <a:t>The Bible was not given to fulfil our curiosity, but to </a:t>
@@ -7423,24 +7430,6 @@
       <p:grpSpPr/>
       <p:sp>
         <p:nvSpPr>
-          <p:cNvPr id="123906" name="Title 1"/>
-          <p:cNvSpPr>
-            <a:spLocks noGrp="1"/>
-          </p:cNvSpPr>
-          <p:nvPr>
-            <p:ph type="title"/>
-          </p:nvPr>
-        </p:nvSpPr>
-        <p:spPr/>
-        <p:txBody>
-          <a:bodyPr vert="horz" wrap="square" lIns="91440" tIns="45720" rIns="91440" bIns="45720" anchor="ctr" anchorCtr="0"/>
-          <a:p>
-            <a:endParaRPr lang="en-GB" altLang="en-US" dirty="0"/>
-          </a:p>
-        </p:txBody>
-      </p:sp>
-      <p:sp>
-        <p:nvSpPr>
           <p:cNvPr id="123907" name="Content Placeholder 2"/>
           <p:cNvSpPr>
             <a:spLocks noGrp="1"/>
@@ -7449,7 +7438,12 @@
             <p:ph idx="1"/>
           </p:nvPr>
         </p:nvSpPr>
-        <p:spPr/>
+        <p:spPr>
+          <a:xfrm>
+            <a:off x="457200" y="962660"/>
+            <a:ext cx="8229600" cy="3222625"/>
+          </a:xfrm>
+        </p:spPr>
         <p:txBody>
           <a:bodyPr vert="horz" wrap="square" lIns="91440" tIns="45720" rIns="91440" bIns="45720" anchor="t" anchorCtr="0"/>
           <a:p>
